--- a/tutorial/EGI-2011/02_api2.pptx
+++ b/tutorial/EGI-2011/02_api2.pptx
@@ -1,6 +1,6 @@
 
 <file path=ppt/presentation.xml><?xml version="1.0" encoding="utf-8"?>
-<p:presentation xmlns:a="http://schemas.openxmlformats.org/drawingml/2006/main" xmlns:r="http://schemas.openxmlformats.org/officeDocument/2006/relationships" xmlns:mc="http://schemas.openxmlformats.org/markup-compatibility/2006" xmlns:mv="urn:schemas-microsoft-com:mac:vml" xmlns:p="http://schemas.openxmlformats.org/presentationml/2006/main" mc:Ignorable="mv" mc:PreserveAttributes="mv:*" showSpecialPlsOnTitleSld="0" strictFirstAndLastChars="0" saveSubsetFonts="1">
+<p:presentation xmlns:a="http://schemas.openxmlformats.org/drawingml/2006/main" xmlns:r="http://schemas.openxmlformats.org/officeDocument/2006/relationships" xmlns:p="http://schemas.openxmlformats.org/presentationml/2006/main" showSpecialPlsOnTitleSld="0" strictFirstAndLastChars="0" saveSubsetFonts="1">
   <p:sldMasterIdLst>
     <p:sldMasterId id="2147483701" r:id="rId1"/>
   </p:sldMasterIdLst>
@@ -177,7 +177,7 @@
 </file>
 
 <file path=ppt/notesMasters/notesMaster1.xml><?xml version="1.0" encoding="utf-8"?>
-<p:notesMaster xmlns:a="http://schemas.openxmlformats.org/drawingml/2006/main" xmlns:r="http://schemas.openxmlformats.org/officeDocument/2006/relationships" xmlns:mc="http://schemas.openxmlformats.org/markup-compatibility/2006" xmlns:mv="urn:schemas-microsoft-com:mac:vml" xmlns:p="http://schemas.openxmlformats.org/presentationml/2006/main" mc:Ignorable="mv" mc:PreserveAttributes="mv:*">
+<p:notesMaster xmlns:a="http://schemas.openxmlformats.org/drawingml/2006/main" xmlns:r="http://schemas.openxmlformats.org/officeDocument/2006/relationships" xmlns:p="http://schemas.openxmlformats.org/presentationml/2006/main">
   <p:cSld>
     <p:bg>
       <p:bgRef idx="1001">
@@ -259,7 +259,7 @@
             <a:fld id="{FD89E5DE-5FFC-4DBE-9A7F-2C9F568D0D45}" type="datetimeFigureOut">
               <a:rPr lang="en-US" smtClean="0"/>
               <a:pPr/>
-              <a:t>11/29/10</a:t>
+              <a:t>4/9/2011</a:t>
             </a:fld>
             <a:endParaRPr lang="en-US"/>
           </a:p>
@@ -430,7 +430,7 @@
     </p:spTree>
     <p:extLst>
       <p:ext uri="{BB962C8B-B14F-4D97-AF65-F5344CB8AC3E}">
-        <p14:creationId xmlns="" xmlns:a="http://schemas.openxmlformats.org/drawingml/2006/main" xmlns:r="http://schemas.openxmlformats.org/officeDocument/2006/relationships" xmlns:p="http://schemas.openxmlformats.org/presentationml/2006/main" xmlns:p14="http://schemas.microsoft.com/office/powerpoint/2010/main" xmlns:mv="urn:schemas-microsoft-com:mac:vml" xmlns:mc="http://schemas.openxmlformats.org/markup-compatibility/2006" val="2265826956"/>
+        <p14:creationId xmlns:p14="http://schemas.microsoft.com/office/powerpoint/2010/main" val="2265826956"/>
       </p:ext>
     </p:extLst>
   </p:cSld>
@@ -531,7 +531,7 @@
 </file>
 
 <file path=ppt/notesSlides/notesSlide1.xml><?xml version="1.0" encoding="utf-8"?>
-<p:notes xmlns:a="http://schemas.openxmlformats.org/drawingml/2006/main" xmlns:r="http://schemas.openxmlformats.org/officeDocument/2006/relationships" xmlns:mc="http://schemas.openxmlformats.org/markup-compatibility/2006" xmlns:mv="urn:schemas-microsoft-com:mac:vml" xmlns:p="http://schemas.openxmlformats.org/presentationml/2006/main" mc:Ignorable="mv" mc:PreserveAttributes="mv:*">
+<p:notes xmlns:a="http://schemas.openxmlformats.org/drawingml/2006/main" xmlns:r="http://schemas.openxmlformats.org/officeDocument/2006/relationships" xmlns:p="http://schemas.openxmlformats.org/presentationml/2006/main">
   <p:cSld>
     <p:spTree>
       <p:nvGrpSpPr>
@@ -613,7 +613,7 @@
 </file>
 
 <file path=ppt/notesSlides/notesSlide10.xml><?xml version="1.0" encoding="utf-8"?>
-<p:notes xmlns:a="http://schemas.openxmlformats.org/drawingml/2006/main" xmlns:r="http://schemas.openxmlformats.org/officeDocument/2006/relationships" xmlns:mc="http://schemas.openxmlformats.org/markup-compatibility/2006" xmlns:mv="urn:schemas-microsoft-com:mac:vml" xmlns:p="http://schemas.openxmlformats.org/presentationml/2006/main" mc:Ignorable="mv" mc:PreserveAttributes="mv:*">
+<p:notes xmlns:a="http://schemas.openxmlformats.org/drawingml/2006/main" xmlns:r="http://schemas.openxmlformats.org/officeDocument/2006/relationships" xmlns:p="http://schemas.openxmlformats.org/presentationml/2006/main">
   <p:cSld>
     <p:spTree>
       <p:nvGrpSpPr>
@@ -772,7 +772,7 @@
     </p:spTree>
     <p:extLst>
       <p:ext uri="{BB962C8B-B14F-4D97-AF65-F5344CB8AC3E}">
-        <p14:creationId xmlns="" xmlns:a="http://schemas.openxmlformats.org/drawingml/2006/main" xmlns:r="http://schemas.openxmlformats.org/officeDocument/2006/relationships" xmlns:p="http://schemas.openxmlformats.org/presentationml/2006/main" xmlns:p14="http://schemas.microsoft.com/office/powerpoint/2010/main" xmlns:mv="urn:schemas-microsoft-com:mac:vml" xmlns:mc="http://schemas.openxmlformats.org/markup-compatibility/2006" val="229707918"/>
+        <p14:creationId xmlns:p14="http://schemas.microsoft.com/office/powerpoint/2010/main" val="229707918"/>
       </p:ext>
     </p:extLst>
   </p:cSld>
@@ -783,7 +783,7 @@
 </file>
 
 <file path=ppt/notesSlides/notesSlide11.xml><?xml version="1.0" encoding="utf-8"?>
-<p:notes xmlns:a="http://schemas.openxmlformats.org/drawingml/2006/main" xmlns:r="http://schemas.openxmlformats.org/officeDocument/2006/relationships" xmlns:mc="http://schemas.openxmlformats.org/markup-compatibility/2006" xmlns:mv="urn:schemas-microsoft-com:mac:vml" xmlns:p="http://schemas.openxmlformats.org/presentationml/2006/main" mc:Ignorable="mv" mc:PreserveAttributes="mv:*">
+<p:notes xmlns:a="http://schemas.openxmlformats.org/drawingml/2006/main" xmlns:r="http://schemas.openxmlformats.org/officeDocument/2006/relationships" xmlns:p="http://schemas.openxmlformats.org/presentationml/2006/main">
   <p:cSld>
     <p:spTree>
       <p:nvGrpSpPr>
@@ -857,7 +857,7 @@
     </p:spTree>
     <p:extLst>
       <p:ext uri="{BB962C8B-B14F-4D97-AF65-F5344CB8AC3E}">
-        <p14:creationId xmlns="" xmlns:a="http://schemas.openxmlformats.org/drawingml/2006/main" xmlns:r="http://schemas.openxmlformats.org/officeDocument/2006/relationships" xmlns:p="http://schemas.openxmlformats.org/presentationml/2006/main" xmlns:p14="http://schemas.microsoft.com/office/powerpoint/2010/main" xmlns:mv="urn:schemas-microsoft-com:mac:vml" xmlns:mc="http://schemas.openxmlformats.org/markup-compatibility/2006" val="793208553"/>
+        <p14:creationId xmlns:p14="http://schemas.microsoft.com/office/powerpoint/2010/main" val="793208553"/>
       </p:ext>
     </p:extLst>
   </p:cSld>
@@ -868,7 +868,7 @@
 </file>
 
 <file path=ppt/notesSlides/notesSlide2.xml><?xml version="1.0" encoding="utf-8"?>
-<p:notes xmlns:a="http://schemas.openxmlformats.org/drawingml/2006/main" xmlns:r="http://schemas.openxmlformats.org/officeDocument/2006/relationships" xmlns:mc="http://schemas.openxmlformats.org/markup-compatibility/2006" xmlns:mv="urn:schemas-microsoft-com:mac:vml" xmlns:p="http://schemas.openxmlformats.org/presentationml/2006/main" mc:Ignorable="mv" mc:PreserveAttributes="mv:*">
+<p:notes xmlns:a="http://schemas.openxmlformats.org/drawingml/2006/main" xmlns:r="http://schemas.openxmlformats.org/officeDocument/2006/relationships" xmlns:p="http://schemas.openxmlformats.org/presentationml/2006/main">
   <p:cSld>
     <p:spTree>
       <p:nvGrpSpPr>
@@ -950,7 +950,7 @@
 </file>
 
 <file path=ppt/notesSlides/notesSlide3.xml><?xml version="1.0" encoding="utf-8"?>
-<p:notes xmlns:a="http://schemas.openxmlformats.org/drawingml/2006/main" xmlns:r="http://schemas.openxmlformats.org/officeDocument/2006/relationships" xmlns:mc="http://schemas.openxmlformats.org/markup-compatibility/2006" xmlns:mv="urn:schemas-microsoft-com:mac:vml" xmlns:p="http://schemas.openxmlformats.org/presentationml/2006/main" mc:Ignorable="mv" mc:PreserveAttributes="mv:*">
+<p:notes xmlns:a="http://schemas.openxmlformats.org/drawingml/2006/main" xmlns:r="http://schemas.openxmlformats.org/officeDocument/2006/relationships" xmlns:p="http://schemas.openxmlformats.org/presentationml/2006/main">
   <p:cSld>
     <p:spTree>
       <p:nvGrpSpPr>
@@ -1053,7 +1053,7 @@
     </p:spTree>
     <p:extLst>
       <p:ext uri="{BB962C8B-B14F-4D97-AF65-F5344CB8AC3E}">
-        <p14:creationId xmlns="" xmlns:a="http://schemas.openxmlformats.org/drawingml/2006/main" xmlns:r="http://schemas.openxmlformats.org/officeDocument/2006/relationships" xmlns:p="http://schemas.openxmlformats.org/presentationml/2006/main" xmlns:p14="http://schemas.microsoft.com/office/powerpoint/2010/main" xmlns:mv="urn:schemas-microsoft-com:mac:vml" xmlns:mc="http://schemas.openxmlformats.org/markup-compatibility/2006" val="3191069449"/>
+        <p14:creationId xmlns:p14="http://schemas.microsoft.com/office/powerpoint/2010/main" val="3191069449"/>
       </p:ext>
     </p:extLst>
   </p:cSld>
@@ -1064,7 +1064,7 @@
 </file>
 
 <file path=ppt/notesSlides/notesSlide4.xml><?xml version="1.0" encoding="utf-8"?>
-<p:notes xmlns:a="http://schemas.openxmlformats.org/drawingml/2006/main" xmlns:r="http://schemas.openxmlformats.org/officeDocument/2006/relationships" xmlns:mc="http://schemas.openxmlformats.org/markup-compatibility/2006" xmlns:mv="urn:schemas-microsoft-com:mac:vml" xmlns:p="http://schemas.openxmlformats.org/presentationml/2006/main" mc:Ignorable="mv" mc:PreserveAttributes="mv:*">
+<p:notes xmlns:a="http://schemas.openxmlformats.org/drawingml/2006/main" xmlns:r="http://schemas.openxmlformats.org/officeDocument/2006/relationships" xmlns:p="http://schemas.openxmlformats.org/presentationml/2006/main">
   <p:cSld>
     <p:spTree>
       <p:nvGrpSpPr>
@@ -1142,7 +1142,7 @@
     </p:spTree>
     <p:extLst>
       <p:ext uri="{BB962C8B-B14F-4D97-AF65-F5344CB8AC3E}">
-        <p14:creationId xmlns="" xmlns:a="http://schemas.openxmlformats.org/drawingml/2006/main" xmlns:r="http://schemas.openxmlformats.org/officeDocument/2006/relationships" xmlns:p="http://schemas.openxmlformats.org/presentationml/2006/main" xmlns:p14="http://schemas.microsoft.com/office/powerpoint/2010/main" xmlns:mv="urn:schemas-microsoft-com:mac:vml" xmlns:mc="http://schemas.openxmlformats.org/markup-compatibility/2006" val="2322460532"/>
+        <p14:creationId xmlns:p14="http://schemas.microsoft.com/office/powerpoint/2010/main" val="2322460532"/>
       </p:ext>
     </p:extLst>
   </p:cSld>
@@ -1153,7 +1153,7 @@
 </file>
 
 <file path=ppt/notesSlides/notesSlide5.xml><?xml version="1.0" encoding="utf-8"?>
-<p:notes xmlns:a="http://schemas.openxmlformats.org/drawingml/2006/main" xmlns:r="http://schemas.openxmlformats.org/officeDocument/2006/relationships" xmlns:mc="http://schemas.openxmlformats.org/markup-compatibility/2006" xmlns:mv="urn:schemas-microsoft-com:mac:vml" xmlns:p="http://schemas.openxmlformats.org/presentationml/2006/main" mc:Ignorable="mv" mc:PreserveAttributes="mv:*">
+<p:notes xmlns:a="http://schemas.openxmlformats.org/drawingml/2006/main" xmlns:r="http://schemas.openxmlformats.org/officeDocument/2006/relationships" xmlns:p="http://schemas.openxmlformats.org/presentationml/2006/main">
   <p:cSld>
     <p:spTree>
       <p:nvGrpSpPr>
@@ -1231,7 +1231,7 @@
     </p:spTree>
     <p:extLst>
       <p:ext uri="{BB962C8B-B14F-4D97-AF65-F5344CB8AC3E}">
-        <p14:creationId xmlns="" xmlns:a="http://schemas.openxmlformats.org/drawingml/2006/main" xmlns:r="http://schemas.openxmlformats.org/officeDocument/2006/relationships" xmlns:p="http://schemas.openxmlformats.org/presentationml/2006/main" xmlns:p14="http://schemas.microsoft.com/office/powerpoint/2010/main" xmlns:mv="urn:schemas-microsoft-com:mac:vml" xmlns:mc="http://schemas.openxmlformats.org/markup-compatibility/2006" val="1970674551"/>
+        <p14:creationId xmlns:p14="http://schemas.microsoft.com/office/powerpoint/2010/main" val="1970674551"/>
       </p:ext>
     </p:extLst>
   </p:cSld>
@@ -1242,7 +1242,7 @@
 </file>
 
 <file path=ppt/notesSlides/notesSlide6.xml><?xml version="1.0" encoding="utf-8"?>
-<p:notes xmlns:a="http://schemas.openxmlformats.org/drawingml/2006/main" xmlns:r="http://schemas.openxmlformats.org/officeDocument/2006/relationships" xmlns:mc="http://schemas.openxmlformats.org/markup-compatibility/2006" xmlns:mv="urn:schemas-microsoft-com:mac:vml" xmlns:p="http://schemas.openxmlformats.org/presentationml/2006/main" mc:Ignorable="mv" mc:PreserveAttributes="mv:*">
+<p:notes xmlns:a="http://schemas.openxmlformats.org/drawingml/2006/main" xmlns:r="http://schemas.openxmlformats.org/officeDocument/2006/relationships" xmlns:p="http://schemas.openxmlformats.org/presentationml/2006/main">
   <p:cSld>
     <p:spTree>
       <p:nvGrpSpPr>
@@ -1332,7 +1332,7 @@
     </p:spTree>
     <p:extLst>
       <p:ext uri="{BB962C8B-B14F-4D97-AF65-F5344CB8AC3E}">
-        <p14:creationId xmlns="" xmlns:a="http://schemas.openxmlformats.org/drawingml/2006/main" xmlns:r="http://schemas.openxmlformats.org/officeDocument/2006/relationships" xmlns:p="http://schemas.openxmlformats.org/presentationml/2006/main" xmlns:p14="http://schemas.microsoft.com/office/powerpoint/2010/main" xmlns:mv="urn:schemas-microsoft-com:mac:vml" xmlns:mc="http://schemas.openxmlformats.org/markup-compatibility/2006" val="232248116"/>
+        <p14:creationId xmlns:p14="http://schemas.microsoft.com/office/powerpoint/2010/main" val="232248116"/>
       </p:ext>
     </p:extLst>
   </p:cSld>
@@ -1343,7 +1343,7 @@
 </file>
 
 <file path=ppt/notesSlides/notesSlide7.xml><?xml version="1.0" encoding="utf-8"?>
-<p:notes xmlns:a="http://schemas.openxmlformats.org/drawingml/2006/main" xmlns:r="http://schemas.openxmlformats.org/officeDocument/2006/relationships" xmlns:mc="http://schemas.openxmlformats.org/markup-compatibility/2006" xmlns:mv="urn:schemas-microsoft-com:mac:vml" xmlns:p="http://schemas.openxmlformats.org/presentationml/2006/main" mc:Ignorable="mv" mc:PreserveAttributes="mv:*">
+<p:notes xmlns:a="http://schemas.openxmlformats.org/drawingml/2006/main" xmlns:r="http://schemas.openxmlformats.org/officeDocument/2006/relationships" xmlns:p="http://schemas.openxmlformats.org/presentationml/2006/main">
   <p:cSld>
     <p:spTree>
       <p:nvGrpSpPr>
@@ -1514,7 +1514,7 @@
     </p:spTree>
     <p:extLst>
       <p:ext uri="{BB962C8B-B14F-4D97-AF65-F5344CB8AC3E}">
-        <p14:creationId xmlns="" xmlns:a="http://schemas.openxmlformats.org/drawingml/2006/main" xmlns:r="http://schemas.openxmlformats.org/officeDocument/2006/relationships" xmlns:p="http://schemas.openxmlformats.org/presentationml/2006/main" xmlns:p14="http://schemas.microsoft.com/office/powerpoint/2010/main" xmlns:mv="urn:schemas-microsoft-com:mac:vml" xmlns:mc="http://schemas.openxmlformats.org/markup-compatibility/2006" val="3955363709"/>
+        <p14:creationId xmlns:p14="http://schemas.microsoft.com/office/powerpoint/2010/main" val="3955363709"/>
       </p:ext>
     </p:extLst>
   </p:cSld>
@@ -1525,7 +1525,7 @@
 </file>
 
 <file path=ppt/notesSlides/notesSlide8.xml><?xml version="1.0" encoding="utf-8"?>
-<p:notes xmlns:a="http://schemas.openxmlformats.org/drawingml/2006/main" xmlns:r="http://schemas.openxmlformats.org/officeDocument/2006/relationships" xmlns:mc="http://schemas.openxmlformats.org/markup-compatibility/2006" xmlns:mv="urn:schemas-microsoft-com:mac:vml" xmlns:p="http://schemas.openxmlformats.org/presentationml/2006/main" mc:Ignorable="mv" mc:PreserveAttributes="mv:*">
+<p:notes xmlns:a="http://schemas.openxmlformats.org/drawingml/2006/main" xmlns:r="http://schemas.openxmlformats.org/officeDocument/2006/relationships" xmlns:p="http://schemas.openxmlformats.org/presentationml/2006/main">
   <p:cSld>
     <p:spTree>
       <p:nvGrpSpPr>
@@ -1684,7 +1684,7 @@
     </p:spTree>
     <p:extLst>
       <p:ext uri="{BB962C8B-B14F-4D97-AF65-F5344CB8AC3E}">
-        <p14:creationId xmlns="" xmlns:a="http://schemas.openxmlformats.org/drawingml/2006/main" xmlns:r="http://schemas.openxmlformats.org/officeDocument/2006/relationships" xmlns:p="http://schemas.openxmlformats.org/presentationml/2006/main" xmlns:p14="http://schemas.microsoft.com/office/powerpoint/2010/main" xmlns:mv="urn:schemas-microsoft-com:mac:vml" xmlns:mc="http://schemas.openxmlformats.org/markup-compatibility/2006" val="706395428"/>
+        <p14:creationId xmlns:p14="http://schemas.microsoft.com/office/powerpoint/2010/main" val="706395428"/>
       </p:ext>
     </p:extLst>
   </p:cSld>
@@ -1695,7 +1695,7 @@
 </file>
 
 <file path=ppt/notesSlides/notesSlide9.xml><?xml version="1.0" encoding="utf-8"?>
-<p:notes xmlns:a="http://schemas.openxmlformats.org/drawingml/2006/main" xmlns:r="http://schemas.openxmlformats.org/officeDocument/2006/relationships" xmlns:mc="http://schemas.openxmlformats.org/markup-compatibility/2006" xmlns:mv="urn:schemas-microsoft-com:mac:vml" xmlns:p="http://schemas.openxmlformats.org/presentationml/2006/main" mc:Ignorable="mv" mc:PreserveAttributes="mv:*">
+<p:notes xmlns:a="http://schemas.openxmlformats.org/drawingml/2006/main" xmlns:r="http://schemas.openxmlformats.org/officeDocument/2006/relationships" xmlns:p="http://schemas.openxmlformats.org/presentationml/2006/main">
   <p:cSld>
     <p:spTree>
       <p:nvGrpSpPr>
@@ -1854,7 +1854,7 @@
     </p:spTree>
     <p:extLst>
       <p:ext uri="{BB962C8B-B14F-4D97-AF65-F5344CB8AC3E}">
-        <p14:creationId xmlns="" xmlns:a="http://schemas.openxmlformats.org/drawingml/2006/main" xmlns:r="http://schemas.openxmlformats.org/officeDocument/2006/relationships" xmlns:p="http://schemas.openxmlformats.org/presentationml/2006/main" xmlns:p14="http://schemas.microsoft.com/office/powerpoint/2010/main" xmlns:mv="urn:schemas-microsoft-com:mac:vml" xmlns:mc="http://schemas.openxmlformats.org/markup-compatibility/2006" val="3872439166"/>
+        <p14:creationId xmlns:p14="http://schemas.microsoft.com/office/powerpoint/2010/main" val="3872439166"/>
       </p:ext>
     </p:extLst>
   </p:cSld>
@@ -1865,7 +1865,7 @@
 </file>
 
 <file path=ppt/slideLayouts/slideLayout1.xml><?xml version="1.0" encoding="utf-8"?>
-<p:sldLayout xmlns:a="http://schemas.openxmlformats.org/drawingml/2006/main" xmlns:r="http://schemas.openxmlformats.org/officeDocument/2006/relationships" xmlns:mc="http://schemas.openxmlformats.org/markup-compatibility/2006" xmlns:mv="urn:schemas-microsoft-com:mac:vml" xmlns:p="http://schemas.openxmlformats.org/presentationml/2006/main" mc:Ignorable="mv" mc:PreserveAttributes="mv:*" preserve="1">
+<p:sldLayout xmlns:a="http://schemas.openxmlformats.org/drawingml/2006/main" xmlns:r="http://schemas.openxmlformats.org/officeDocument/2006/relationships" xmlns:p="http://schemas.openxmlformats.org/presentationml/2006/main" preserve="1">
   <p:cSld name="Title Slide">
     <p:spTree>
       <p:nvGrpSpPr>
@@ -2093,7 +2093,7 @@
 </file>
 
 <file path=ppt/slideLayouts/slideLayout10.xml><?xml version="1.0" encoding="utf-8"?>
-<p:sldLayout xmlns:a="http://schemas.openxmlformats.org/drawingml/2006/main" xmlns:r="http://schemas.openxmlformats.org/officeDocument/2006/relationships" xmlns:mc="http://schemas.openxmlformats.org/markup-compatibility/2006" xmlns:mv="urn:schemas-microsoft-com:mac:vml" xmlns:p="http://schemas.openxmlformats.org/presentationml/2006/main" mc:Ignorable="mv" mc:PreserveAttributes="mv:*" type="picTx" preserve="1">
+<p:sldLayout xmlns:a="http://schemas.openxmlformats.org/drawingml/2006/main" xmlns:r="http://schemas.openxmlformats.org/officeDocument/2006/relationships" xmlns:p="http://schemas.openxmlformats.org/presentationml/2006/main" type="picTx" preserve="1">
   <p:cSld name="Picture with Caption">
     <p:spTree>
       <p:nvGrpSpPr>
@@ -2419,7 +2419,7 @@
 </file>
 
 <file path=ppt/slideLayouts/slideLayout11.xml><?xml version="1.0" encoding="utf-8"?>
-<p:sldLayout xmlns:a="http://schemas.openxmlformats.org/drawingml/2006/main" xmlns:r="http://schemas.openxmlformats.org/officeDocument/2006/relationships" xmlns:mc="http://schemas.openxmlformats.org/markup-compatibility/2006" xmlns:mv="urn:schemas-microsoft-com:mac:vml" xmlns:p="http://schemas.openxmlformats.org/presentationml/2006/main" mc:Ignorable="mv" mc:PreserveAttributes="mv:*" preserve="1">
+<p:sldLayout xmlns:a="http://schemas.openxmlformats.org/drawingml/2006/main" xmlns:r="http://schemas.openxmlformats.org/officeDocument/2006/relationships" xmlns:p="http://schemas.openxmlformats.org/presentationml/2006/main" preserve="1">
   <p:cSld name="Picture above Caption">
     <p:spTree>
       <p:nvGrpSpPr>
@@ -2709,7 +2709,7 @@
 </file>
 
 <file path=ppt/slideLayouts/slideLayout12.xml><?xml version="1.0" encoding="utf-8"?>
-<p:sldLayout xmlns:a="http://schemas.openxmlformats.org/drawingml/2006/main" xmlns:r="http://schemas.openxmlformats.org/officeDocument/2006/relationships" xmlns:mc="http://schemas.openxmlformats.org/markup-compatibility/2006" xmlns:mv="urn:schemas-microsoft-com:mac:vml" xmlns:p="http://schemas.openxmlformats.org/presentationml/2006/main" mc:Ignorable="mv" mc:PreserveAttributes="mv:*" preserve="1">
+<p:sldLayout xmlns:a="http://schemas.openxmlformats.org/drawingml/2006/main" xmlns:r="http://schemas.openxmlformats.org/officeDocument/2006/relationships" xmlns:p="http://schemas.openxmlformats.org/presentationml/2006/main" preserve="1">
   <p:cSld name="2 Pictures with Caption">
     <p:spTree>
       <p:nvGrpSpPr>
@@ -3039,7 +3039,7 @@
 </file>
 
 <file path=ppt/slideLayouts/slideLayout13.xml><?xml version="1.0" encoding="utf-8"?>
-<p:sldLayout xmlns:a="http://schemas.openxmlformats.org/drawingml/2006/main" xmlns:r="http://schemas.openxmlformats.org/officeDocument/2006/relationships" xmlns:mc="http://schemas.openxmlformats.org/markup-compatibility/2006" xmlns:mv="urn:schemas-microsoft-com:mac:vml" xmlns:p="http://schemas.openxmlformats.org/presentationml/2006/main" mc:Ignorable="mv" mc:PreserveAttributes="mv:*" preserve="1">
+<p:sldLayout xmlns:a="http://schemas.openxmlformats.org/drawingml/2006/main" xmlns:r="http://schemas.openxmlformats.org/officeDocument/2006/relationships" xmlns:p="http://schemas.openxmlformats.org/presentationml/2006/main" preserve="1">
   <p:cSld name="3 Pictures with Caption">
     <p:spTree>
       <p:nvGrpSpPr>
@@ -3404,7 +3404,7 @@
 </file>
 
 <file path=ppt/slideLayouts/slideLayout14.xml><?xml version="1.0" encoding="utf-8"?>
-<p:sldLayout xmlns:a="http://schemas.openxmlformats.org/drawingml/2006/main" xmlns:r="http://schemas.openxmlformats.org/officeDocument/2006/relationships" xmlns:mc="http://schemas.openxmlformats.org/markup-compatibility/2006" xmlns:mv="urn:schemas-microsoft-com:mac:vml" xmlns:p="http://schemas.openxmlformats.org/presentationml/2006/main" mc:Ignorable="mv" mc:PreserveAttributes="mv:*" type="vertTx" preserve="1">
+<p:sldLayout xmlns:a="http://schemas.openxmlformats.org/drawingml/2006/main" xmlns:r="http://schemas.openxmlformats.org/officeDocument/2006/relationships" xmlns:p="http://schemas.openxmlformats.org/presentationml/2006/main" type="vertTx" preserve="1">
   <p:cSld name="Title and Vertical Text">
     <p:spTree>
       <p:nvGrpSpPr>
@@ -3574,7 +3574,7 @@
 </file>
 
 <file path=ppt/slideLayouts/slideLayout15.xml><?xml version="1.0" encoding="utf-8"?>
-<p:sldLayout xmlns:a="http://schemas.openxmlformats.org/drawingml/2006/main" xmlns:r="http://schemas.openxmlformats.org/officeDocument/2006/relationships" xmlns:mc="http://schemas.openxmlformats.org/markup-compatibility/2006" xmlns:mv="urn:schemas-microsoft-com:mac:vml" xmlns:p="http://schemas.openxmlformats.org/presentationml/2006/main" mc:Ignorable="mv" mc:PreserveAttributes="mv:*" type="vertTitleAndTx" preserve="1">
+<p:sldLayout xmlns:a="http://schemas.openxmlformats.org/drawingml/2006/main" xmlns:r="http://schemas.openxmlformats.org/officeDocument/2006/relationships" xmlns:p="http://schemas.openxmlformats.org/presentationml/2006/main" type="vertTitleAndTx" preserve="1">
   <p:cSld name="Vertical Title and Text">
     <p:spTree>
       <p:nvGrpSpPr>
@@ -3754,7 +3754,7 @@
 </file>
 
 <file path=ppt/slideLayouts/slideLayout2.xml><?xml version="1.0" encoding="utf-8"?>
-<p:sldLayout xmlns:a="http://schemas.openxmlformats.org/drawingml/2006/main" xmlns:r="http://schemas.openxmlformats.org/officeDocument/2006/relationships" xmlns:mc="http://schemas.openxmlformats.org/markup-compatibility/2006" xmlns:mv="urn:schemas-microsoft-com:mac:vml" xmlns:p="http://schemas.openxmlformats.org/presentationml/2006/main" mc:Ignorable="mv" mc:PreserveAttributes="mv:*" type="obj" preserve="1">
+<p:sldLayout xmlns:a="http://schemas.openxmlformats.org/drawingml/2006/main" xmlns:r="http://schemas.openxmlformats.org/officeDocument/2006/relationships" xmlns:p="http://schemas.openxmlformats.org/presentationml/2006/main" type="obj" preserve="1">
   <p:cSld name="Title and Content">
     <p:spTree>
       <p:nvGrpSpPr>
@@ -4018,7 +4018,7 @@
 </file>
 
 <file path=ppt/slideLayouts/slideLayout3.xml><?xml version="1.0" encoding="utf-8"?>
-<p:sldLayout xmlns:a="http://schemas.openxmlformats.org/drawingml/2006/main" xmlns:r="http://schemas.openxmlformats.org/officeDocument/2006/relationships" xmlns:mc="http://schemas.openxmlformats.org/markup-compatibility/2006" xmlns:mv="urn:schemas-microsoft-com:mac:vml" xmlns:p="http://schemas.openxmlformats.org/presentationml/2006/main" mc:Ignorable="mv" mc:PreserveAttributes="mv:*" preserve="1">
+<p:sldLayout xmlns:a="http://schemas.openxmlformats.org/drawingml/2006/main" xmlns:r="http://schemas.openxmlformats.org/officeDocument/2006/relationships" xmlns:p="http://schemas.openxmlformats.org/presentationml/2006/main" preserve="1">
   <p:cSld name="Title Slide with Picture">
     <p:spTree>
       <p:nvGrpSpPr>
@@ -4303,7 +4303,7 @@
 </file>
 
 <file path=ppt/slideLayouts/slideLayout4.xml><?xml version="1.0" encoding="utf-8"?>
-<p:sldLayout xmlns:a="http://schemas.openxmlformats.org/drawingml/2006/main" xmlns:r="http://schemas.openxmlformats.org/officeDocument/2006/relationships" xmlns:mc="http://schemas.openxmlformats.org/markup-compatibility/2006" xmlns:mv="urn:schemas-microsoft-com:mac:vml" xmlns:p="http://schemas.openxmlformats.org/presentationml/2006/main" mc:Ignorable="mv" mc:PreserveAttributes="mv:*" type="secHead" preserve="1">
+<p:sldLayout xmlns:a="http://schemas.openxmlformats.org/drawingml/2006/main" xmlns:r="http://schemas.openxmlformats.org/officeDocument/2006/relationships" xmlns:p="http://schemas.openxmlformats.org/presentationml/2006/main" type="secHead" preserve="1">
   <p:cSld name="Section Header">
     <p:spTree>
       <p:nvGrpSpPr>
@@ -4639,7 +4639,7 @@
 </file>
 
 <file path=ppt/slideLayouts/slideLayout5.xml><?xml version="1.0" encoding="utf-8"?>
-<p:sldLayout xmlns:a="http://schemas.openxmlformats.org/drawingml/2006/main" xmlns:r="http://schemas.openxmlformats.org/officeDocument/2006/relationships" xmlns:mc="http://schemas.openxmlformats.org/markup-compatibility/2006" xmlns:mv="urn:schemas-microsoft-com:mac:vml" xmlns:p="http://schemas.openxmlformats.org/presentationml/2006/main" mc:Ignorable="mv" mc:PreserveAttributes="mv:*" type="twoObj" preserve="1">
+<p:sldLayout xmlns:a="http://schemas.openxmlformats.org/drawingml/2006/main" xmlns:r="http://schemas.openxmlformats.org/officeDocument/2006/relationships" xmlns:p="http://schemas.openxmlformats.org/presentationml/2006/main" type="twoObj" preserve="1">
   <p:cSld name="Two Content">
     <p:spTree>
       <p:nvGrpSpPr>
@@ -4972,7 +4972,7 @@
 </file>
 
 <file path=ppt/slideLayouts/slideLayout6.xml><?xml version="1.0" encoding="utf-8"?>
-<p:sldLayout xmlns:a="http://schemas.openxmlformats.org/drawingml/2006/main" xmlns:r="http://schemas.openxmlformats.org/officeDocument/2006/relationships" xmlns:mc="http://schemas.openxmlformats.org/markup-compatibility/2006" xmlns:mv="urn:schemas-microsoft-com:mac:vml" xmlns:p="http://schemas.openxmlformats.org/presentationml/2006/main" mc:Ignorable="mv" mc:PreserveAttributes="mv:*" type="twoTxTwoObj" preserve="1">
+<p:sldLayout xmlns:a="http://schemas.openxmlformats.org/drawingml/2006/main" xmlns:r="http://schemas.openxmlformats.org/officeDocument/2006/relationships" xmlns:p="http://schemas.openxmlformats.org/presentationml/2006/main" type="twoTxTwoObj" preserve="1">
   <p:cSld name="Comparison">
     <p:spTree>
       <p:nvGrpSpPr>
@@ -5676,7 +5676,7 @@
 </file>
 
 <file path=ppt/slideLayouts/slideLayout7.xml><?xml version="1.0" encoding="utf-8"?>
-<p:sldLayout xmlns:a="http://schemas.openxmlformats.org/drawingml/2006/main" xmlns:r="http://schemas.openxmlformats.org/officeDocument/2006/relationships" xmlns:mc="http://schemas.openxmlformats.org/markup-compatibility/2006" xmlns:mv="urn:schemas-microsoft-com:mac:vml" xmlns:p="http://schemas.openxmlformats.org/presentationml/2006/main" mc:Ignorable="mv" mc:PreserveAttributes="mv:*" type="titleOnly" preserve="1">
+<p:sldLayout xmlns:a="http://schemas.openxmlformats.org/drawingml/2006/main" xmlns:r="http://schemas.openxmlformats.org/officeDocument/2006/relationships" xmlns:p="http://schemas.openxmlformats.org/presentationml/2006/main" type="titleOnly" preserve="1">
   <p:cSld name="Title Only">
     <p:spTree>
       <p:nvGrpSpPr>
@@ -5830,7 +5830,7 @@
 </file>
 
 <file path=ppt/slideLayouts/slideLayout8.xml><?xml version="1.0" encoding="utf-8"?>
-<p:sldLayout xmlns:a="http://schemas.openxmlformats.org/drawingml/2006/main" xmlns:r="http://schemas.openxmlformats.org/officeDocument/2006/relationships" xmlns:mc="http://schemas.openxmlformats.org/markup-compatibility/2006" xmlns:mv="urn:schemas-microsoft-com:mac:vml" xmlns:p="http://schemas.openxmlformats.org/presentationml/2006/main" mc:Ignorable="mv" mc:PreserveAttributes="mv:*" type="blank" preserve="1">
+<p:sldLayout xmlns:a="http://schemas.openxmlformats.org/drawingml/2006/main" xmlns:r="http://schemas.openxmlformats.org/officeDocument/2006/relationships" xmlns:p="http://schemas.openxmlformats.org/presentationml/2006/main" type="blank" preserve="1">
   <p:cSld name="Blank">
     <p:spTree>
       <p:nvGrpSpPr>
@@ -5997,7 +5997,7 @@
 </file>
 
 <file path=ppt/slideLayouts/slideLayout9.xml><?xml version="1.0" encoding="utf-8"?>
-<p:sldLayout xmlns:a="http://schemas.openxmlformats.org/drawingml/2006/main" xmlns:r="http://schemas.openxmlformats.org/officeDocument/2006/relationships" xmlns:mc="http://schemas.openxmlformats.org/markup-compatibility/2006" xmlns:mv="urn:schemas-microsoft-com:mac:vml" xmlns:p="http://schemas.openxmlformats.org/presentationml/2006/main" mc:Ignorable="mv" mc:PreserveAttributes="mv:*" type="objTx" preserve="1">
+<p:sldLayout xmlns:a="http://schemas.openxmlformats.org/drawingml/2006/main" xmlns:r="http://schemas.openxmlformats.org/officeDocument/2006/relationships" xmlns:p="http://schemas.openxmlformats.org/presentationml/2006/main" type="objTx" preserve="1">
   <p:cSld name="Content with Caption">
     <p:spTree>
       <p:nvGrpSpPr>
@@ -6375,7 +6375,7 @@
 </file>
 
 <file path=ppt/slideMasters/slideMaster1.xml><?xml version="1.0" encoding="utf-8"?>
-<p:sldMaster xmlns:a="http://schemas.openxmlformats.org/drawingml/2006/main" xmlns:r="http://schemas.openxmlformats.org/officeDocument/2006/relationships" xmlns:mc="http://schemas.openxmlformats.org/markup-compatibility/2006" xmlns:mv="urn:schemas-microsoft-com:mac:vml" xmlns:p="http://schemas.openxmlformats.org/presentationml/2006/main" mc:Ignorable="mv" mc:PreserveAttributes="mv:*">
+<p:sldMaster xmlns:a="http://schemas.openxmlformats.org/drawingml/2006/main" xmlns:r="http://schemas.openxmlformats.org/officeDocument/2006/relationships" xmlns:p="http://schemas.openxmlformats.org/presentationml/2006/main">
   <p:cSld>
     <p:bg>
       <p:bgRef idx="1001">
@@ -7032,7 +7032,7 @@
 </file>
 
 <file path=ppt/slides/slide1.xml><?xml version="1.0" encoding="utf-8"?>
-<p:sld xmlns:a="http://schemas.openxmlformats.org/drawingml/2006/main" xmlns:r="http://schemas.openxmlformats.org/officeDocument/2006/relationships" xmlns:mc="http://schemas.openxmlformats.org/markup-compatibility/2006" xmlns:mv="urn:schemas-microsoft-com:mac:vml" xmlns:p="http://schemas.openxmlformats.org/presentationml/2006/main" mc:Ignorable="mv" mc:PreserveAttributes="mv:*">
+<p:sld xmlns:a="http://schemas.openxmlformats.org/drawingml/2006/main" xmlns:r="http://schemas.openxmlformats.org/officeDocument/2006/relationships" xmlns:p="http://schemas.openxmlformats.org/presentationml/2006/main">
   <p:cSld>
     <p:spTree>
       <p:nvGrpSpPr>
@@ -7196,7 +7196,7 @@
     </p:spTree>
     <p:extLst>
       <p:ext uri="{BB962C8B-B14F-4D97-AF65-F5344CB8AC3E}">
-        <p14:creationId xmlns="" xmlns:a="http://schemas.openxmlformats.org/drawingml/2006/main" xmlns:r="http://schemas.openxmlformats.org/officeDocument/2006/relationships" xmlns:p="http://schemas.openxmlformats.org/presentationml/2006/main" xmlns:p14="http://schemas.microsoft.com/office/powerpoint/2010/main" xmlns:mv="urn:schemas-microsoft-com:mac:vml" xmlns:mc="http://schemas.openxmlformats.org/markup-compatibility/2006" val="1681731650"/>
+        <p14:creationId xmlns:p14="http://schemas.microsoft.com/office/powerpoint/2010/main" val="1681731650"/>
       </p:ext>
     </p:extLst>
   </p:cSld>
@@ -7214,7 +7214,7 @@
 </file>
 
 <file path=ppt/slides/slide10.xml><?xml version="1.0" encoding="utf-8"?>
-<p:sld xmlns:a="http://schemas.openxmlformats.org/drawingml/2006/main" xmlns:r="http://schemas.openxmlformats.org/officeDocument/2006/relationships" xmlns:mc="http://schemas.openxmlformats.org/markup-compatibility/2006" xmlns:mv="urn:schemas-microsoft-com:mac:vml" xmlns:p="http://schemas.openxmlformats.org/presentationml/2006/main" mc:Ignorable="mv" mc:PreserveAttributes="mv:*">
+<p:sld xmlns:a="http://schemas.openxmlformats.org/drawingml/2006/main" xmlns:r="http://schemas.openxmlformats.org/officeDocument/2006/relationships" xmlns:p="http://schemas.openxmlformats.org/presentationml/2006/main">
   <p:cSld>
     <p:spTree>
       <p:nvGrpSpPr>
@@ -7435,7 +7435,7 @@
 </file>
 
 <file path=ppt/slides/slide11.xml><?xml version="1.0" encoding="utf-8"?>
-<p:sld xmlns:a="http://schemas.openxmlformats.org/drawingml/2006/main" xmlns:r="http://schemas.openxmlformats.org/officeDocument/2006/relationships" xmlns:mc="http://schemas.openxmlformats.org/markup-compatibility/2006" xmlns:mv="urn:schemas-microsoft-com:mac:vml" xmlns:p="http://schemas.openxmlformats.org/presentationml/2006/main" mc:Ignorable="mv" mc:PreserveAttributes="mv:*">
+<p:sld xmlns:a="http://schemas.openxmlformats.org/drawingml/2006/main" xmlns:r="http://schemas.openxmlformats.org/officeDocument/2006/relationships" xmlns:p="http://schemas.openxmlformats.org/presentationml/2006/main">
   <p:cSld>
     <p:spTree>
       <p:nvGrpSpPr>
@@ -7578,7 +7578,7 @@
           <p:nvPr>
             <p:extLst>
               <p:ext uri="{D42A27DB-BD31-4B8C-83A1-F6EECF244321}">
-                <p14:modId xmlns="" xmlns:a="http://schemas.openxmlformats.org/drawingml/2006/main" xmlns:r="http://schemas.openxmlformats.org/officeDocument/2006/relationships" xmlns:p="http://schemas.openxmlformats.org/presentationml/2006/main" xmlns:p14="http://schemas.microsoft.com/office/powerpoint/2010/main" xmlns:mv="urn:schemas-microsoft-com:mac:vml" xmlns:mc="http://schemas.openxmlformats.org/markup-compatibility/2006" val="3414472680"/>
+                <p14:modId xmlns:p14="http://schemas.microsoft.com/office/powerpoint/2010/main" val="3414472680"/>
               </p:ext>
             </p:extLst>
           </p:nvPr>
@@ -8217,7 +8217,7 @@
 </file>
 
 <file path=ppt/slides/slide12.xml><?xml version="1.0" encoding="utf-8"?>
-<p:sld xmlns:a="http://schemas.openxmlformats.org/drawingml/2006/main" xmlns:r="http://schemas.openxmlformats.org/officeDocument/2006/relationships" xmlns:mc="http://schemas.openxmlformats.org/markup-compatibility/2006" xmlns:mv="urn:schemas-microsoft-com:mac:vml" xmlns:p="http://schemas.openxmlformats.org/presentationml/2006/main" mc:Ignorable="mv" mc:PreserveAttributes="mv:*">
+<p:sld xmlns:a="http://schemas.openxmlformats.org/drawingml/2006/main" xmlns:r="http://schemas.openxmlformats.org/officeDocument/2006/relationships" xmlns:p="http://schemas.openxmlformats.org/presentationml/2006/main">
   <p:cSld>
     <p:spTree>
       <p:nvGrpSpPr>
@@ -8407,7 +8407,7 @@
 </file>
 
 <file path=ppt/slides/slide13.xml><?xml version="1.0" encoding="utf-8"?>
-<p:sld xmlns:a="http://schemas.openxmlformats.org/drawingml/2006/main" xmlns:r="http://schemas.openxmlformats.org/officeDocument/2006/relationships" xmlns:mc="http://schemas.openxmlformats.org/markup-compatibility/2006" xmlns:mv="urn:schemas-microsoft-com:mac:vml" xmlns:p="http://schemas.openxmlformats.org/presentationml/2006/main" mc:Ignorable="mv" mc:PreserveAttributes="mv:*">
+<p:sld xmlns:a="http://schemas.openxmlformats.org/drawingml/2006/main" xmlns:r="http://schemas.openxmlformats.org/officeDocument/2006/relationships" xmlns:p="http://schemas.openxmlformats.org/presentationml/2006/main">
   <p:cSld>
     <p:spTree>
       <p:nvGrpSpPr>
@@ -8548,7 +8548,7 @@
           <p:nvPr>
             <p:extLst>
               <p:ext uri="{D42A27DB-BD31-4B8C-83A1-F6EECF244321}">
-                <p14:modId xmlns="" xmlns:a="http://schemas.openxmlformats.org/drawingml/2006/main" xmlns:r="http://schemas.openxmlformats.org/officeDocument/2006/relationships" xmlns:p="http://schemas.openxmlformats.org/presentationml/2006/main" xmlns:p14="http://schemas.microsoft.com/office/powerpoint/2010/main" xmlns:mv="urn:schemas-microsoft-com:mac:vml" xmlns:mc="http://schemas.openxmlformats.org/markup-compatibility/2006" val="4007099573"/>
+                <p14:modId xmlns:p14="http://schemas.microsoft.com/office/powerpoint/2010/main" val="4007099573"/>
               </p:ext>
             </p:extLst>
           </p:nvPr>
@@ -8959,7 +8959,7 @@
 </file>
 
 <file path=ppt/slides/slide14.xml><?xml version="1.0" encoding="utf-8"?>
-<p:sld xmlns:a="http://schemas.openxmlformats.org/drawingml/2006/main" xmlns:r="http://schemas.openxmlformats.org/officeDocument/2006/relationships" xmlns:mc="http://schemas.openxmlformats.org/markup-compatibility/2006" xmlns:mv="urn:schemas-microsoft-com:mac:vml" xmlns:p="http://schemas.openxmlformats.org/presentationml/2006/main" mc:Ignorable="mv" mc:PreserveAttributes="mv:*">
+<p:sld xmlns:a="http://schemas.openxmlformats.org/drawingml/2006/main" xmlns:r="http://schemas.openxmlformats.org/officeDocument/2006/relationships" xmlns:p="http://schemas.openxmlformats.org/presentationml/2006/main">
   <p:cSld>
     <p:spTree>
       <p:nvGrpSpPr>
@@ -9362,7 +9362,7 @@
     </p:spTree>
     <p:extLst>
       <p:ext uri="{BB962C8B-B14F-4D97-AF65-F5344CB8AC3E}">
-        <p14:creationId xmlns="" xmlns:a="http://schemas.openxmlformats.org/drawingml/2006/main" xmlns:r="http://schemas.openxmlformats.org/officeDocument/2006/relationships" xmlns:p="http://schemas.openxmlformats.org/presentationml/2006/main" xmlns:p14="http://schemas.microsoft.com/office/powerpoint/2010/main" xmlns:mv="urn:schemas-microsoft-com:mac:vml" xmlns:mc="http://schemas.openxmlformats.org/markup-compatibility/2006" val="943545212"/>
+        <p14:creationId xmlns:p14="http://schemas.microsoft.com/office/powerpoint/2010/main" val="943545212"/>
       </p:ext>
     </p:extLst>
   </p:cSld>
@@ -9380,7 +9380,7 @@
 </file>
 
 <file path=ppt/slides/slide15.xml><?xml version="1.0" encoding="utf-8"?>
-<p:sld xmlns:a="http://schemas.openxmlformats.org/drawingml/2006/main" xmlns:r="http://schemas.openxmlformats.org/officeDocument/2006/relationships" xmlns:mc="http://schemas.openxmlformats.org/markup-compatibility/2006" xmlns:mv="urn:schemas-microsoft-com:mac:vml" xmlns:p="http://schemas.openxmlformats.org/presentationml/2006/main" mc:Ignorable="mv" mc:PreserveAttributes="mv:*">
+<p:sld xmlns:a="http://schemas.openxmlformats.org/drawingml/2006/main" xmlns:r="http://schemas.openxmlformats.org/officeDocument/2006/relationships" xmlns:p="http://schemas.openxmlformats.org/presentationml/2006/main">
   <p:cSld>
     <p:spTree>
       <p:nvGrpSpPr>
@@ -9836,7 +9836,7 @@
     </p:spTree>
     <p:extLst>
       <p:ext uri="{BB962C8B-B14F-4D97-AF65-F5344CB8AC3E}">
-        <p14:creationId xmlns="" xmlns:a="http://schemas.openxmlformats.org/drawingml/2006/main" xmlns:r="http://schemas.openxmlformats.org/officeDocument/2006/relationships" xmlns:p="http://schemas.openxmlformats.org/presentationml/2006/main" xmlns:p14="http://schemas.microsoft.com/office/powerpoint/2010/main" xmlns:mv="urn:schemas-microsoft-com:mac:vml" xmlns:mc="http://schemas.openxmlformats.org/markup-compatibility/2006" val="2110749326"/>
+        <p14:creationId xmlns:p14="http://schemas.microsoft.com/office/powerpoint/2010/main" val="2110749326"/>
       </p:ext>
     </p:extLst>
   </p:cSld>
@@ -9854,7 +9854,7 @@
 </file>
 
 <file path=ppt/slides/slide16.xml><?xml version="1.0" encoding="utf-8"?>
-<p:sld xmlns:a="http://schemas.openxmlformats.org/drawingml/2006/main" xmlns:r="http://schemas.openxmlformats.org/officeDocument/2006/relationships" xmlns:mc="http://schemas.openxmlformats.org/markup-compatibility/2006" xmlns:mv="urn:schemas-microsoft-com:mac:vml" xmlns:p="http://schemas.openxmlformats.org/presentationml/2006/main" mc:Ignorable="mv" mc:PreserveAttributes="mv:*">
+<p:sld xmlns:a="http://schemas.openxmlformats.org/drawingml/2006/main" xmlns:r="http://schemas.openxmlformats.org/officeDocument/2006/relationships" xmlns:p="http://schemas.openxmlformats.org/presentationml/2006/main">
   <p:cSld>
     <p:spTree>
       <p:nvGrpSpPr>
@@ -10303,7 +10303,7 @@
     </p:spTree>
     <p:extLst>
       <p:ext uri="{BB962C8B-B14F-4D97-AF65-F5344CB8AC3E}">
-        <p14:creationId xmlns="" xmlns:a="http://schemas.openxmlformats.org/drawingml/2006/main" xmlns:r="http://schemas.openxmlformats.org/officeDocument/2006/relationships" xmlns:p="http://schemas.openxmlformats.org/presentationml/2006/main" xmlns:p14="http://schemas.microsoft.com/office/powerpoint/2010/main" xmlns:mv="urn:schemas-microsoft-com:mac:vml" xmlns:mc="http://schemas.openxmlformats.org/markup-compatibility/2006" val="2059702227"/>
+        <p14:creationId xmlns:p14="http://schemas.microsoft.com/office/powerpoint/2010/main" val="2059702227"/>
       </p:ext>
     </p:extLst>
   </p:cSld>
@@ -10314,7 +10314,7 @@
 </file>
 
 <file path=ppt/slides/slide17.xml><?xml version="1.0" encoding="utf-8"?>
-<p:sld xmlns:a="http://schemas.openxmlformats.org/drawingml/2006/main" xmlns:r="http://schemas.openxmlformats.org/officeDocument/2006/relationships" xmlns:mc="http://schemas.openxmlformats.org/markup-compatibility/2006" xmlns:mv="urn:schemas-microsoft-com:mac:vml" xmlns:p="http://schemas.openxmlformats.org/presentationml/2006/main" mc:Ignorable="mv" mc:PreserveAttributes="mv:*">
+<p:sld xmlns:a="http://schemas.openxmlformats.org/drawingml/2006/main" xmlns:r="http://schemas.openxmlformats.org/officeDocument/2006/relationships" xmlns:p="http://schemas.openxmlformats.org/presentationml/2006/main">
   <p:cSld>
     <p:spTree>
       <p:nvGrpSpPr>
@@ -10792,7 +10792,7 @@
     </p:spTree>
     <p:extLst>
       <p:ext uri="{BB962C8B-B14F-4D97-AF65-F5344CB8AC3E}">
-        <p14:creationId xmlns="" xmlns:a="http://schemas.openxmlformats.org/drawingml/2006/main" xmlns:r="http://schemas.openxmlformats.org/officeDocument/2006/relationships" xmlns:p="http://schemas.openxmlformats.org/presentationml/2006/main" xmlns:p14="http://schemas.microsoft.com/office/powerpoint/2010/main" xmlns:mv="urn:schemas-microsoft-com:mac:vml" xmlns:mc="http://schemas.openxmlformats.org/markup-compatibility/2006" val="2253681799"/>
+        <p14:creationId xmlns:p14="http://schemas.microsoft.com/office/powerpoint/2010/main" val="2253681799"/>
       </p:ext>
     </p:extLst>
   </p:cSld>
@@ -10803,7 +10803,7 @@
 </file>
 
 <file path=ppt/slides/slide18.xml><?xml version="1.0" encoding="utf-8"?>
-<p:sld xmlns:a="http://schemas.openxmlformats.org/drawingml/2006/main" xmlns:r="http://schemas.openxmlformats.org/officeDocument/2006/relationships" xmlns:mc="http://schemas.openxmlformats.org/markup-compatibility/2006" xmlns:mv="urn:schemas-microsoft-com:mac:vml" xmlns:p="http://schemas.openxmlformats.org/presentationml/2006/main" mc:Ignorable="mv" mc:PreserveAttributes="mv:*">
+<p:sld xmlns:a="http://schemas.openxmlformats.org/drawingml/2006/main" xmlns:r="http://schemas.openxmlformats.org/officeDocument/2006/relationships" xmlns:p="http://schemas.openxmlformats.org/presentationml/2006/main">
   <p:cSld>
     <p:spTree>
       <p:nvGrpSpPr>
@@ -11142,7 +11142,7 @@
     </p:spTree>
     <p:extLst>
       <p:ext uri="{BB962C8B-B14F-4D97-AF65-F5344CB8AC3E}">
-        <p14:creationId xmlns="" xmlns:a="http://schemas.openxmlformats.org/drawingml/2006/main" xmlns:r="http://schemas.openxmlformats.org/officeDocument/2006/relationships" xmlns:p="http://schemas.openxmlformats.org/presentationml/2006/main" xmlns:p14="http://schemas.microsoft.com/office/powerpoint/2010/main" xmlns:mv="urn:schemas-microsoft-com:mac:vml" xmlns:mc="http://schemas.openxmlformats.org/markup-compatibility/2006" val="3368190089"/>
+        <p14:creationId xmlns:p14="http://schemas.microsoft.com/office/powerpoint/2010/main" val="3368190089"/>
       </p:ext>
     </p:extLst>
   </p:cSld>
@@ -11160,7 +11160,7 @@
 </file>
 
 <file path=ppt/slides/slide19.xml><?xml version="1.0" encoding="utf-8"?>
-<p:sld xmlns:a="http://schemas.openxmlformats.org/drawingml/2006/main" xmlns:r="http://schemas.openxmlformats.org/officeDocument/2006/relationships" xmlns:mc="http://schemas.openxmlformats.org/markup-compatibility/2006" xmlns:mv="urn:schemas-microsoft-com:mac:vml" xmlns:p="http://schemas.openxmlformats.org/presentationml/2006/main" mc:Ignorable="mv" mc:PreserveAttributes="mv:*">
+<p:sld xmlns:a="http://schemas.openxmlformats.org/drawingml/2006/main" xmlns:r="http://schemas.openxmlformats.org/officeDocument/2006/relationships" xmlns:p="http://schemas.openxmlformats.org/presentationml/2006/main">
   <p:cSld>
     <p:spTree>
       <p:nvGrpSpPr>
@@ -11739,7 +11739,7 @@
     </p:spTree>
     <p:extLst>
       <p:ext uri="{BB962C8B-B14F-4D97-AF65-F5344CB8AC3E}">
-        <p14:creationId xmlns="" xmlns:a="http://schemas.openxmlformats.org/drawingml/2006/main" xmlns:r="http://schemas.openxmlformats.org/officeDocument/2006/relationships" xmlns:p="http://schemas.openxmlformats.org/presentationml/2006/main" xmlns:p14="http://schemas.microsoft.com/office/powerpoint/2010/main" xmlns:mv="urn:schemas-microsoft-com:mac:vml" xmlns:mc="http://schemas.openxmlformats.org/markup-compatibility/2006" val="2572922824"/>
+        <p14:creationId xmlns:p14="http://schemas.microsoft.com/office/powerpoint/2010/main" val="2572922824"/>
       </p:ext>
     </p:extLst>
   </p:cSld>
@@ -11757,7 +11757,7 @@
 </file>
 
 <file path=ppt/slides/slide2.xml><?xml version="1.0" encoding="utf-8"?>
-<p:sld xmlns:a="http://schemas.openxmlformats.org/drawingml/2006/main" xmlns:r="http://schemas.openxmlformats.org/officeDocument/2006/relationships" xmlns:mc="http://schemas.openxmlformats.org/markup-compatibility/2006" xmlns:mv="urn:schemas-microsoft-com:mac:vml" xmlns:p="http://schemas.openxmlformats.org/presentationml/2006/main" mc:Ignorable="mv" mc:PreserveAttributes="mv:*">
+<p:sld xmlns:a="http://schemas.openxmlformats.org/drawingml/2006/main" xmlns:r="http://schemas.openxmlformats.org/officeDocument/2006/relationships" xmlns:p="http://schemas.openxmlformats.org/presentationml/2006/main">
   <p:cSld>
     <p:spTree>
       <p:nvGrpSpPr>
@@ -11928,7 +11928,7 @@
 </file>
 
 <file path=ppt/slides/slide20.xml><?xml version="1.0" encoding="utf-8"?>
-<p:sld xmlns:a="http://schemas.openxmlformats.org/drawingml/2006/main" xmlns:r="http://schemas.openxmlformats.org/officeDocument/2006/relationships" xmlns:mc="http://schemas.openxmlformats.org/markup-compatibility/2006" xmlns:mv="urn:schemas-microsoft-com:mac:vml" xmlns:p="http://schemas.openxmlformats.org/presentationml/2006/main" mc:Ignorable="mv" mc:PreserveAttributes="mv:*">
+<p:sld xmlns:a="http://schemas.openxmlformats.org/drawingml/2006/main" xmlns:r="http://schemas.openxmlformats.org/officeDocument/2006/relationships" xmlns:p="http://schemas.openxmlformats.org/presentationml/2006/main">
   <p:cSld>
     <p:spTree>
       <p:nvGrpSpPr>
@@ -12490,7 +12490,7 @@
     </p:spTree>
     <p:extLst>
       <p:ext uri="{BB962C8B-B14F-4D97-AF65-F5344CB8AC3E}">
-        <p14:creationId xmlns="" xmlns:a="http://schemas.openxmlformats.org/drawingml/2006/main" xmlns:r="http://schemas.openxmlformats.org/officeDocument/2006/relationships" xmlns:p="http://schemas.openxmlformats.org/presentationml/2006/main" xmlns:p14="http://schemas.microsoft.com/office/powerpoint/2010/main" xmlns:mv="urn:schemas-microsoft-com:mac:vml" xmlns:mc="http://schemas.openxmlformats.org/markup-compatibility/2006" val="1169737179"/>
+        <p14:creationId xmlns:p14="http://schemas.microsoft.com/office/powerpoint/2010/main" val="1169737179"/>
       </p:ext>
     </p:extLst>
   </p:cSld>
@@ -12501,7 +12501,7 @@
 </file>
 
 <file path=ppt/slides/slide21.xml><?xml version="1.0" encoding="utf-8"?>
-<p:sld xmlns:a="http://schemas.openxmlformats.org/drawingml/2006/main" xmlns:r="http://schemas.openxmlformats.org/officeDocument/2006/relationships" xmlns:mc="http://schemas.openxmlformats.org/markup-compatibility/2006" xmlns:mv="urn:schemas-microsoft-com:mac:vml" xmlns:p="http://schemas.openxmlformats.org/presentationml/2006/main" mc:Ignorable="mv" mc:PreserveAttributes="mv:*">
+<p:sld xmlns:a="http://schemas.openxmlformats.org/drawingml/2006/main" xmlns:r="http://schemas.openxmlformats.org/officeDocument/2006/relationships" xmlns:p="http://schemas.openxmlformats.org/presentationml/2006/main">
   <p:cSld>
     <p:spTree>
       <p:nvGrpSpPr>
@@ -13027,7 +13027,7 @@
     </p:spTree>
     <p:extLst>
       <p:ext uri="{BB962C8B-B14F-4D97-AF65-F5344CB8AC3E}">
-        <p14:creationId xmlns="" xmlns:a="http://schemas.openxmlformats.org/drawingml/2006/main" xmlns:r="http://schemas.openxmlformats.org/officeDocument/2006/relationships" xmlns:p="http://schemas.openxmlformats.org/presentationml/2006/main" xmlns:p14="http://schemas.microsoft.com/office/powerpoint/2010/main" xmlns:mv="urn:schemas-microsoft-com:mac:vml" xmlns:mc="http://schemas.openxmlformats.org/markup-compatibility/2006" val="1188723698"/>
+        <p14:creationId xmlns:p14="http://schemas.microsoft.com/office/powerpoint/2010/main" val="1188723698"/>
       </p:ext>
     </p:extLst>
   </p:cSld>
@@ -13038,7 +13038,7 @@
 </file>
 
 <file path=ppt/slides/slide22.xml><?xml version="1.0" encoding="utf-8"?>
-<p:sld xmlns:a="http://schemas.openxmlformats.org/drawingml/2006/main" xmlns:r="http://schemas.openxmlformats.org/officeDocument/2006/relationships" xmlns:mc="http://schemas.openxmlformats.org/markup-compatibility/2006" xmlns:mv="urn:schemas-microsoft-com:mac:vml" xmlns:p="http://schemas.openxmlformats.org/presentationml/2006/main" mc:Ignorable="mv" mc:PreserveAttributes="mv:*">
+<p:sld xmlns:a="http://schemas.openxmlformats.org/drawingml/2006/main" xmlns:r="http://schemas.openxmlformats.org/officeDocument/2006/relationships" xmlns:p="http://schemas.openxmlformats.org/presentationml/2006/main">
   <p:cSld>
     <p:spTree>
       <p:nvGrpSpPr>
@@ -13474,7 +13474,7 @@
     </p:spTree>
     <p:extLst>
       <p:ext uri="{BB962C8B-B14F-4D97-AF65-F5344CB8AC3E}">
-        <p14:creationId xmlns="" xmlns:a="http://schemas.openxmlformats.org/drawingml/2006/main" xmlns:r="http://schemas.openxmlformats.org/officeDocument/2006/relationships" xmlns:p="http://schemas.openxmlformats.org/presentationml/2006/main" xmlns:p14="http://schemas.microsoft.com/office/powerpoint/2010/main" xmlns:mv="urn:schemas-microsoft-com:mac:vml" xmlns:mc="http://schemas.openxmlformats.org/markup-compatibility/2006" val="935873552"/>
+        <p14:creationId xmlns:p14="http://schemas.microsoft.com/office/powerpoint/2010/main" val="935873552"/>
       </p:ext>
     </p:extLst>
   </p:cSld>
@@ -13492,7 +13492,7 @@
 </file>
 
 <file path=ppt/slides/slide23.xml><?xml version="1.0" encoding="utf-8"?>
-<p:sld xmlns:a="http://schemas.openxmlformats.org/drawingml/2006/main" xmlns:r="http://schemas.openxmlformats.org/officeDocument/2006/relationships" xmlns:mc="http://schemas.openxmlformats.org/markup-compatibility/2006" xmlns:mv="urn:schemas-microsoft-com:mac:vml" xmlns:p="http://schemas.openxmlformats.org/presentationml/2006/main" mc:Ignorable="mv" mc:PreserveAttributes="mv:*">
+<p:sld xmlns:a="http://schemas.openxmlformats.org/drawingml/2006/main" xmlns:r="http://schemas.openxmlformats.org/officeDocument/2006/relationships" xmlns:p="http://schemas.openxmlformats.org/presentationml/2006/main">
   <p:cSld>
     <p:spTree>
       <p:nvGrpSpPr>
@@ -13721,7 +13721,7 @@
 </file>
 
 <file path=ppt/slides/slide24.xml><?xml version="1.0" encoding="utf-8"?>
-<p:sld xmlns:a="http://schemas.openxmlformats.org/drawingml/2006/main" xmlns:r="http://schemas.openxmlformats.org/officeDocument/2006/relationships" xmlns:mc="http://schemas.openxmlformats.org/markup-compatibility/2006" xmlns:mv="urn:schemas-microsoft-com:mac:vml" xmlns:p="http://schemas.openxmlformats.org/presentationml/2006/main" mc:Ignorable="mv" mc:PreserveAttributes="mv:*">
+<p:sld xmlns:a="http://schemas.openxmlformats.org/drawingml/2006/main" xmlns:r="http://schemas.openxmlformats.org/officeDocument/2006/relationships" xmlns:p="http://schemas.openxmlformats.org/presentationml/2006/main">
   <p:cSld>
     <p:spTree>
       <p:nvGrpSpPr>
@@ -13941,7 +13941,7 @@
     </p:spTree>
     <p:extLst>
       <p:ext uri="{BB962C8B-B14F-4D97-AF65-F5344CB8AC3E}">
-        <p14:creationId xmlns="" xmlns:a="http://schemas.openxmlformats.org/drawingml/2006/main" xmlns:r="http://schemas.openxmlformats.org/officeDocument/2006/relationships" xmlns:p="http://schemas.openxmlformats.org/presentationml/2006/main" xmlns:p14="http://schemas.microsoft.com/office/powerpoint/2010/main" xmlns:mv="urn:schemas-microsoft-com:mac:vml" xmlns:mc="http://schemas.openxmlformats.org/markup-compatibility/2006" val="1850771897"/>
+        <p14:creationId xmlns:p14="http://schemas.microsoft.com/office/powerpoint/2010/main" val="1850771897"/>
       </p:ext>
     </p:extLst>
   </p:cSld>
@@ -13960,7 +13960,7 @@
 </file>
 
 <file path=ppt/slides/slide25.xml><?xml version="1.0" encoding="utf-8"?>
-<p:sld xmlns:a="http://schemas.openxmlformats.org/drawingml/2006/main" xmlns:r="http://schemas.openxmlformats.org/officeDocument/2006/relationships" xmlns:mc="http://schemas.openxmlformats.org/markup-compatibility/2006" xmlns:mv="urn:schemas-microsoft-com:mac:vml" xmlns:p="http://schemas.openxmlformats.org/presentationml/2006/main" mc:Ignorable="mv" mc:PreserveAttributes="mv:*">
+<p:sld xmlns:a="http://schemas.openxmlformats.org/drawingml/2006/main" xmlns:r="http://schemas.openxmlformats.org/officeDocument/2006/relationships" xmlns:p="http://schemas.openxmlformats.org/presentationml/2006/main">
   <p:cSld>
     <p:spTree>
       <p:nvGrpSpPr>
@@ -14235,7 +14235,7 @@
 </file>
 
 <file path=ppt/slides/slide26.xml><?xml version="1.0" encoding="utf-8"?>
-<p:sld xmlns:a="http://schemas.openxmlformats.org/drawingml/2006/main" xmlns:r="http://schemas.openxmlformats.org/officeDocument/2006/relationships" xmlns:mc="http://schemas.openxmlformats.org/markup-compatibility/2006" xmlns:mv="urn:schemas-microsoft-com:mac:vml" xmlns:p="http://schemas.openxmlformats.org/presentationml/2006/main" mc:Ignorable="mv" mc:PreserveAttributes="mv:*">
+<p:sld xmlns:a="http://schemas.openxmlformats.org/drawingml/2006/main" xmlns:r="http://schemas.openxmlformats.org/officeDocument/2006/relationships" xmlns:p="http://schemas.openxmlformats.org/presentationml/2006/main">
   <p:cSld>
     <p:spTree>
       <p:nvGrpSpPr>
@@ -14484,7 +14484,7 @@
 </file>
 
 <file path=ppt/slides/slide27.xml><?xml version="1.0" encoding="utf-8"?>
-<p:sld xmlns:a="http://schemas.openxmlformats.org/drawingml/2006/main" xmlns:r="http://schemas.openxmlformats.org/officeDocument/2006/relationships" xmlns:mc="http://schemas.openxmlformats.org/markup-compatibility/2006" xmlns:mv="urn:schemas-microsoft-com:mac:vml" xmlns:p="http://schemas.openxmlformats.org/presentationml/2006/main" mc:Ignorable="mv" mc:PreserveAttributes="mv:*">
+<p:sld xmlns:a="http://schemas.openxmlformats.org/drawingml/2006/main" xmlns:r="http://schemas.openxmlformats.org/officeDocument/2006/relationships" xmlns:p="http://schemas.openxmlformats.org/presentationml/2006/main">
   <p:cSld>
     <p:spTree>
       <p:nvGrpSpPr>
@@ -14705,7 +14705,7 @@
 </file>
 
 <file path=ppt/slides/slide28.xml><?xml version="1.0" encoding="utf-8"?>
-<p:sld xmlns:a="http://schemas.openxmlformats.org/drawingml/2006/main" xmlns:r="http://schemas.openxmlformats.org/officeDocument/2006/relationships" xmlns:mc="http://schemas.openxmlformats.org/markup-compatibility/2006" xmlns:mv="urn:schemas-microsoft-com:mac:vml" xmlns:p="http://schemas.openxmlformats.org/presentationml/2006/main" mc:Ignorable="mv" mc:PreserveAttributes="mv:*">
+<p:sld xmlns:a="http://schemas.openxmlformats.org/drawingml/2006/main" xmlns:r="http://schemas.openxmlformats.org/officeDocument/2006/relationships" xmlns:p="http://schemas.openxmlformats.org/presentationml/2006/main">
   <p:cSld>
     <p:spTree>
       <p:nvGrpSpPr>
@@ -14907,7 +14907,7 @@
     </p:spTree>
     <p:extLst>
       <p:ext uri="{BB962C8B-B14F-4D97-AF65-F5344CB8AC3E}">
-        <p14:creationId xmlns="" xmlns:a="http://schemas.openxmlformats.org/drawingml/2006/main" xmlns:r="http://schemas.openxmlformats.org/officeDocument/2006/relationships" xmlns:p="http://schemas.openxmlformats.org/presentationml/2006/main" xmlns:p14="http://schemas.microsoft.com/office/powerpoint/2010/main" xmlns:mv="urn:schemas-microsoft-com:mac:vml" xmlns:mc="http://schemas.openxmlformats.org/markup-compatibility/2006" val="2615391202"/>
+        <p14:creationId xmlns:p14="http://schemas.microsoft.com/office/powerpoint/2010/main" val="2615391202"/>
       </p:ext>
     </p:extLst>
   </p:cSld>
@@ -14925,7 +14925,7 @@
 </file>
 
 <file path=ppt/slides/slide3.xml><?xml version="1.0" encoding="utf-8"?>
-<p:sld xmlns:a="http://schemas.openxmlformats.org/drawingml/2006/main" xmlns:r="http://schemas.openxmlformats.org/officeDocument/2006/relationships" xmlns:mc="http://schemas.openxmlformats.org/markup-compatibility/2006" xmlns:mv="urn:schemas-microsoft-com:mac:vml" xmlns:p="http://schemas.openxmlformats.org/presentationml/2006/main" mc:Ignorable="mv" mc:PreserveAttributes="mv:*">
+<p:sld xmlns:a="http://schemas.openxmlformats.org/drawingml/2006/main" xmlns:r="http://schemas.openxmlformats.org/officeDocument/2006/relationships" xmlns:p="http://schemas.openxmlformats.org/presentationml/2006/main">
   <p:cSld>
     <p:spTree>
       <p:nvGrpSpPr>
@@ -15258,7 +15258,7 @@
 </file>
 
 <file path=ppt/slides/slide4.xml><?xml version="1.0" encoding="utf-8"?>
-<p:sld xmlns:a="http://schemas.openxmlformats.org/drawingml/2006/main" xmlns:r="http://schemas.openxmlformats.org/officeDocument/2006/relationships" xmlns:mc="http://schemas.openxmlformats.org/markup-compatibility/2006" xmlns:mv="urn:schemas-microsoft-com:mac:vml" xmlns:p="http://schemas.openxmlformats.org/presentationml/2006/main" mc:Ignorable="mv" mc:PreserveAttributes="mv:*">
+<p:sld xmlns:a="http://schemas.openxmlformats.org/drawingml/2006/main" xmlns:r="http://schemas.openxmlformats.org/officeDocument/2006/relationships" xmlns:p="http://schemas.openxmlformats.org/presentationml/2006/main">
   <p:cSld>
     <p:spTree>
       <p:nvGrpSpPr>
@@ -15435,7 +15435,7 @@
     </p:spTree>
     <p:extLst>
       <p:ext uri="{BB962C8B-B14F-4D97-AF65-F5344CB8AC3E}">
-        <p14:creationId xmlns="" xmlns:a="http://schemas.openxmlformats.org/drawingml/2006/main" xmlns:r="http://schemas.openxmlformats.org/officeDocument/2006/relationships" xmlns:p="http://schemas.openxmlformats.org/presentationml/2006/main" xmlns:p14="http://schemas.microsoft.com/office/powerpoint/2010/main" xmlns:mv="urn:schemas-microsoft-com:mac:vml" xmlns:mc="http://schemas.openxmlformats.org/markup-compatibility/2006" val="2457049260"/>
+        <p14:creationId xmlns:p14="http://schemas.microsoft.com/office/powerpoint/2010/main" val="2457049260"/>
       </p:ext>
     </p:extLst>
   </p:cSld>
@@ -15446,7 +15446,7 @@
 </file>
 
 <file path=ppt/slides/slide5.xml><?xml version="1.0" encoding="utf-8"?>
-<p:sld xmlns:a="http://schemas.openxmlformats.org/drawingml/2006/main" xmlns:r="http://schemas.openxmlformats.org/officeDocument/2006/relationships" xmlns:mc="http://schemas.openxmlformats.org/markup-compatibility/2006" xmlns:mv="urn:schemas-microsoft-com:mac:vml" xmlns:p="http://schemas.openxmlformats.org/presentationml/2006/main" mc:Ignorable="mv" mc:PreserveAttributes="mv:*">
+<p:sld xmlns:a="http://schemas.openxmlformats.org/drawingml/2006/main" xmlns:r="http://schemas.openxmlformats.org/officeDocument/2006/relationships" xmlns:p="http://schemas.openxmlformats.org/presentationml/2006/main">
   <p:cSld>
     <p:spTree>
       <p:nvGrpSpPr>
@@ -15610,7 +15610,7 @@
     </p:spTree>
     <p:extLst>
       <p:ext uri="{BB962C8B-B14F-4D97-AF65-F5344CB8AC3E}">
-        <p14:creationId xmlns="" xmlns:a="http://schemas.openxmlformats.org/drawingml/2006/main" xmlns:r="http://schemas.openxmlformats.org/officeDocument/2006/relationships" xmlns:p="http://schemas.openxmlformats.org/presentationml/2006/main" xmlns:p14="http://schemas.microsoft.com/office/powerpoint/2010/main" xmlns:mv="urn:schemas-microsoft-com:mac:vml" xmlns:mc="http://schemas.openxmlformats.org/markup-compatibility/2006" val="2448934113"/>
+        <p14:creationId xmlns:p14="http://schemas.microsoft.com/office/powerpoint/2010/main" val="2448934113"/>
       </p:ext>
     </p:extLst>
   </p:cSld>
@@ -15629,7 +15629,7 @@
 </file>
 
 <file path=ppt/slides/slide6.xml><?xml version="1.0" encoding="utf-8"?>
-<p:sld xmlns:a="http://schemas.openxmlformats.org/drawingml/2006/main" xmlns:r="http://schemas.openxmlformats.org/officeDocument/2006/relationships" xmlns:mc="http://schemas.openxmlformats.org/markup-compatibility/2006" xmlns:mv="urn:schemas-microsoft-com:mac:vml" xmlns:p="http://schemas.openxmlformats.org/presentationml/2006/main" mc:Ignorable="mv" mc:PreserveAttributes="mv:*">
+<p:sld xmlns:a="http://schemas.openxmlformats.org/drawingml/2006/main" xmlns:r="http://schemas.openxmlformats.org/officeDocument/2006/relationships" xmlns:p="http://schemas.openxmlformats.org/presentationml/2006/main">
   <p:cSld>
     <p:spTree>
       <p:nvGrpSpPr>
@@ -15678,7 +15678,7 @@
             <p:ph idx="1"/>
             <p:extLst>
               <p:ext uri="{D42A27DB-BD31-4B8C-83A1-F6EECF244321}">
-                <p14:modId xmlns="" xmlns:a="http://schemas.openxmlformats.org/drawingml/2006/main" xmlns:r="http://schemas.openxmlformats.org/officeDocument/2006/relationships" xmlns:p="http://schemas.openxmlformats.org/presentationml/2006/main" xmlns:p14="http://schemas.microsoft.com/office/powerpoint/2010/main" xmlns:mv="urn:schemas-microsoft-com:mac:vml" xmlns:mc="http://schemas.openxmlformats.org/markup-compatibility/2006" val="2475253389"/>
+                <p14:modId xmlns:p14="http://schemas.microsoft.com/office/powerpoint/2010/main" val="2475253389"/>
               </p:ext>
             </p:extLst>
           </p:nvPr>
@@ -16605,7 +16605,7 @@
     </p:spTree>
     <p:extLst>
       <p:ext uri="{BB962C8B-B14F-4D97-AF65-F5344CB8AC3E}">
-        <p14:creationId xmlns="" xmlns:a="http://schemas.openxmlformats.org/drawingml/2006/main" xmlns:r="http://schemas.openxmlformats.org/officeDocument/2006/relationships" xmlns:p="http://schemas.openxmlformats.org/presentationml/2006/main" xmlns:p14="http://schemas.microsoft.com/office/powerpoint/2010/main" xmlns:mv="urn:schemas-microsoft-com:mac:vml" xmlns:mc="http://schemas.openxmlformats.org/markup-compatibility/2006" val="4167202409"/>
+        <p14:creationId xmlns:p14="http://schemas.microsoft.com/office/powerpoint/2010/main" val="4167202409"/>
       </p:ext>
     </p:extLst>
   </p:cSld>
@@ -16623,7 +16623,7 @@
 </file>
 
 <file path=ppt/slides/slide7.xml><?xml version="1.0" encoding="utf-8"?>
-<p:sld xmlns:a="http://schemas.openxmlformats.org/drawingml/2006/main" xmlns:r="http://schemas.openxmlformats.org/officeDocument/2006/relationships" xmlns:mc="http://schemas.openxmlformats.org/markup-compatibility/2006" xmlns:mv="urn:schemas-microsoft-com:mac:vml" xmlns:p="http://schemas.openxmlformats.org/presentationml/2006/main" mc:Ignorable="mv" mc:PreserveAttributes="mv:*">
+<p:sld xmlns:a="http://schemas.openxmlformats.org/drawingml/2006/main" xmlns:r="http://schemas.openxmlformats.org/officeDocument/2006/relationships" xmlns:p="http://schemas.openxmlformats.org/presentationml/2006/main">
   <p:cSld>
     <p:spTree>
       <p:nvGrpSpPr>
@@ -16899,7 +16899,7 @@
 </file>
 
 <file path=ppt/slides/slide8.xml><?xml version="1.0" encoding="utf-8"?>
-<p:sld xmlns:a="http://schemas.openxmlformats.org/drawingml/2006/main" xmlns:r="http://schemas.openxmlformats.org/officeDocument/2006/relationships" xmlns:mc="http://schemas.openxmlformats.org/markup-compatibility/2006" xmlns:mv="urn:schemas-microsoft-com:mac:vml" xmlns:p="http://schemas.openxmlformats.org/presentationml/2006/main" mc:Ignorable="mv" mc:PreserveAttributes="mv:*">
+<p:sld xmlns:a="http://schemas.openxmlformats.org/drawingml/2006/main" xmlns:r="http://schemas.openxmlformats.org/officeDocument/2006/relationships" xmlns:p="http://schemas.openxmlformats.org/presentationml/2006/main">
   <p:cSld>
     <p:spTree>
       <p:nvGrpSpPr>
@@ -17068,7 +17068,7 @@
           <p:nvPr>
             <p:extLst>
               <p:ext uri="{D42A27DB-BD31-4B8C-83A1-F6EECF244321}">
-                <p14:modId xmlns="" xmlns:a="http://schemas.openxmlformats.org/drawingml/2006/main" xmlns:r="http://schemas.openxmlformats.org/officeDocument/2006/relationships" xmlns:p="http://schemas.openxmlformats.org/presentationml/2006/main" xmlns:p14="http://schemas.microsoft.com/office/powerpoint/2010/main" xmlns:mv="urn:schemas-microsoft-com:mac:vml" xmlns:mc="http://schemas.openxmlformats.org/markup-compatibility/2006" val="3768818699"/>
+                <p14:modId xmlns:p14="http://schemas.microsoft.com/office/powerpoint/2010/main" val="3768818699"/>
               </p:ext>
             </p:extLst>
           </p:nvPr>
@@ -17375,7 +17375,7 @@
 </file>
 
 <file path=ppt/slides/slide9.xml><?xml version="1.0" encoding="utf-8"?>
-<p:sld xmlns:a="http://schemas.openxmlformats.org/drawingml/2006/main" xmlns:r="http://schemas.openxmlformats.org/officeDocument/2006/relationships" xmlns:mc="http://schemas.openxmlformats.org/markup-compatibility/2006" xmlns:mv="urn:schemas-microsoft-com:mac:vml" xmlns:p="http://schemas.openxmlformats.org/presentationml/2006/main" mc:Ignorable="mv" mc:PreserveAttributes="mv:*">
+<p:sld xmlns:a="http://schemas.openxmlformats.org/drawingml/2006/main" xmlns:r="http://schemas.openxmlformats.org/officeDocument/2006/relationships" xmlns:p="http://schemas.openxmlformats.org/presentationml/2006/main">
   <p:cSld>
     <p:spTree>
       <p:nvGrpSpPr>
@@ -17544,7 +17544,7 @@
           <p:nvPr>
             <p:extLst>
               <p:ext uri="{D42A27DB-BD31-4B8C-83A1-F6EECF244321}">
-                <p14:modId xmlns="" xmlns:a="http://schemas.openxmlformats.org/drawingml/2006/main" xmlns:r="http://schemas.openxmlformats.org/officeDocument/2006/relationships" xmlns:p="http://schemas.openxmlformats.org/presentationml/2006/main" xmlns:p14="http://schemas.microsoft.com/office/powerpoint/2010/main" xmlns:mv="urn:schemas-microsoft-com:mac:vml" xmlns:mc="http://schemas.openxmlformats.org/markup-compatibility/2006" val="1142005977"/>
+                <p14:modId xmlns:p14="http://schemas.microsoft.com/office/powerpoint/2010/main" val="1142005977"/>
               </p:ext>
             </p:extLst>
           </p:nvPr>
